--- a/PalsitPrev3.pptx
+++ b/PalsitPrev3.pptx
@@ -20160,7 +20160,7 @@
                   <a:srgbClr val="FFFFFF"/>
                 </a:highlight>
               </a:rPr>
-              <a:t>Analyzer: OpenST/Hardware-Based</a:t>
+              <a:t>Analyzer: OpenST / Hardware-Based</a:t>
             </a:r>
           </a:p>
           <a:p>
@@ -20856,335 +20856,6 @@
   <p:clrMapOvr>
     <a:masterClrMapping/>
   </p:clrMapOvr>
-  <p:timing>
-    <p:tnLst>
-      <p:par>
-        <p:cTn dur="indefinite" nodeType="tmRoot" restart="never">
-          <p:childTnLst>
-            <p:seq concurrent="1" nextAc="seek">
-              <p:cTn dur="indefinite" id="2" nodeType="mainSeq">
-                <p:childTnLst>
-                  <p:par>
-                    <p:cTn fill="hold">
-                      <p:stCondLst>
-                        <p:cond delay="indefinite"/>
-                      </p:stCondLst>
-                      <p:childTnLst>
-                        <p:par>
-                          <p:cTn fill="hold">
-                            <p:stCondLst>
-                              <p:cond delay="0"/>
-                            </p:stCondLst>
-                            <p:childTnLst>
-                              <p:par>
-                                <p:cTn fill="hold" nodeType="clickEffect" presetClass="entr" presetID="10" presetSubtype="0">
-                                  <p:stCondLst>
-                                    <p:cond delay="0"/>
-                                  </p:stCondLst>
-                                  <p:childTnLst>
-                                    <p:set>
-                                      <p:cBhvr>
-                                        <p:cTn dur="1" fill="hold">
-                                          <p:stCondLst>
-                                            <p:cond delay="0"/>
-                                          </p:stCondLst>
-                                        </p:cTn>
-                                        <p:tgtEl>
-                                          <p:spTgt spid="234"/>
-                                        </p:tgtEl>
-                                        <p:attrNameLst>
-                                          <p:attrName>style.visibility</p:attrName>
-                                        </p:attrNameLst>
-                                      </p:cBhvr>
-                                      <p:to>
-                                        <p:strVal val="visible"/>
-                                      </p:to>
-                                    </p:set>
-                                    <p:animEffect filter="fade" transition="in">
-                                      <p:cBhvr>
-                                        <p:cTn dur="1000"/>
-                                        <p:tgtEl>
-                                          <p:spTgt spid="234"/>
-                                        </p:tgtEl>
-                                      </p:cBhvr>
-                                    </p:animEffect>
-                                  </p:childTnLst>
-                                </p:cTn>
-                              </p:par>
-                              <p:par>
-                                <p:cTn fill="hold" nodeType="withEffect" presetClass="entr" presetID="10" presetSubtype="0">
-                                  <p:stCondLst>
-                                    <p:cond delay="0"/>
-                                  </p:stCondLst>
-                                  <p:childTnLst>
-                                    <p:set>
-                                      <p:cBhvr>
-                                        <p:cTn dur="1" fill="hold">
-                                          <p:stCondLst>
-                                            <p:cond delay="0"/>
-                                          </p:stCondLst>
-                                        </p:cTn>
-                                        <p:tgtEl>
-                                          <p:spTgt spid="238"/>
-                                        </p:tgtEl>
-                                        <p:attrNameLst>
-                                          <p:attrName>style.visibility</p:attrName>
-                                        </p:attrNameLst>
-                                      </p:cBhvr>
-                                      <p:to>
-                                        <p:strVal val="visible"/>
-                                      </p:to>
-                                    </p:set>
-                                    <p:animEffect filter="fade" transition="in">
-                                      <p:cBhvr>
-                                        <p:cTn dur="1000"/>
-                                        <p:tgtEl>
-                                          <p:spTgt spid="238"/>
-                                        </p:tgtEl>
-                                      </p:cBhvr>
-                                    </p:animEffect>
-                                  </p:childTnLst>
-                                </p:cTn>
-                              </p:par>
-                            </p:childTnLst>
-                          </p:cTn>
-                        </p:par>
-                      </p:childTnLst>
-                    </p:cTn>
-                  </p:par>
-                  <p:par>
-                    <p:cTn fill="hold">
-                      <p:stCondLst>
-                        <p:cond delay="indefinite"/>
-                      </p:stCondLst>
-                      <p:childTnLst>
-                        <p:par>
-                          <p:cTn fill="hold">
-                            <p:stCondLst>
-                              <p:cond delay="0"/>
-                            </p:stCondLst>
-                            <p:childTnLst>
-                              <p:par>
-                                <p:cTn fill="hold" nodeType="clickEffect" presetClass="entr" presetID="10" presetSubtype="0">
-                                  <p:stCondLst>
-                                    <p:cond delay="0"/>
-                                  </p:stCondLst>
-                                  <p:childTnLst>
-                                    <p:set>
-                                      <p:cBhvr>
-                                        <p:cTn dur="1" fill="hold">
-                                          <p:stCondLst>
-                                            <p:cond delay="0"/>
-                                          </p:stCondLst>
-                                        </p:cTn>
-                                        <p:tgtEl>
-                                          <p:spTgt spid="235"/>
-                                        </p:tgtEl>
-                                        <p:attrNameLst>
-                                          <p:attrName>style.visibility</p:attrName>
-                                        </p:attrNameLst>
-                                      </p:cBhvr>
-                                      <p:to>
-                                        <p:strVal val="visible"/>
-                                      </p:to>
-                                    </p:set>
-                                    <p:animEffect filter="fade" transition="in">
-                                      <p:cBhvr>
-                                        <p:cTn dur="1000"/>
-                                        <p:tgtEl>
-                                          <p:spTgt spid="235"/>
-                                        </p:tgtEl>
-                                      </p:cBhvr>
-                                    </p:animEffect>
-                                  </p:childTnLst>
-                                </p:cTn>
-                              </p:par>
-                              <p:par>
-                                <p:cTn fill="hold" nodeType="withEffect" presetClass="entr" presetID="10" presetSubtype="0">
-                                  <p:stCondLst>
-                                    <p:cond delay="0"/>
-                                  </p:stCondLst>
-                                  <p:childTnLst>
-                                    <p:set>
-                                      <p:cBhvr>
-                                        <p:cTn dur="1" fill="hold">
-                                          <p:stCondLst>
-                                            <p:cond delay="0"/>
-                                          </p:stCondLst>
-                                        </p:cTn>
-                                        <p:tgtEl>
-                                          <p:spTgt spid="237"/>
-                                        </p:tgtEl>
-                                        <p:attrNameLst>
-                                          <p:attrName>style.visibility</p:attrName>
-                                        </p:attrNameLst>
-                                      </p:cBhvr>
-                                      <p:to>
-                                        <p:strVal val="visible"/>
-                                      </p:to>
-                                    </p:set>
-                                    <p:animEffect filter="fade" transition="in">
-                                      <p:cBhvr>
-                                        <p:cTn dur="1000"/>
-                                        <p:tgtEl>
-                                          <p:spTgt spid="237"/>
-                                        </p:tgtEl>
-                                      </p:cBhvr>
-                                    </p:animEffect>
-                                  </p:childTnLst>
-                                </p:cTn>
-                              </p:par>
-                              <p:par>
-                                <p:cTn fill="hold" nodeType="withEffect" presetClass="entr" presetID="10" presetSubtype="0">
-                                  <p:stCondLst>
-                                    <p:cond delay="0"/>
-                                  </p:stCondLst>
-                                  <p:childTnLst>
-                                    <p:set>
-                                      <p:cBhvr>
-                                        <p:cTn dur="1" fill="hold">
-                                          <p:stCondLst>
-                                            <p:cond delay="0"/>
-                                          </p:stCondLst>
-                                        </p:cTn>
-                                        <p:tgtEl>
-                                          <p:spTgt spid="236"/>
-                                        </p:tgtEl>
-                                        <p:attrNameLst>
-                                          <p:attrName>style.visibility</p:attrName>
-                                        </p:attrNameLst>
-                                      </p:cBhvr>
-                                      <p:to>
-                                        <p:strVal val="visible"/>
-                                      </p:to>
-                                    </p:set>
-                                    <p:animEffect filter="fade" transition="in">
-                                      <p:cBhvr>
-                                        <p:cTn dur="1000"/>
-                                        <p:tgtEl>
-                                          <p:spTgt spid="236"/>
-                                        </p:tgtEl>
-                                      </p:cBhvr>
-                                    </p:animEffect>
-                                  </p:childTnLst>
-                                </p:cTn>
-                              </p:par>
-                            </p:childTnLst>
-                          </p:cTn>
-                        </p:par>
-                      </p:childTnLst>
-                    </p:cTn>
-                  </p:par>
-                  <p:par>
-                    <p:cTn fill="hold">
-                      <p:stCondLst>
-                        <p:cond delay="indefinite"/>
-                      </p:stCondLst>
-                      <p:childTnLst>
-                        <p:par>
-                          <p:cTn fill="hold">
-                            <p:stCondLst>
-                              <p:cond delay="0"/>
-                            </p:stCondLst>
-                            <p:childTnLst>
-                              <p:par>
-                                <p:cTn fill="hold" nodeType="clickEffect" presetClass="entr" presetID="10" presetSubtype="0">
-                                  <p:stCondLst>
-                                    <p:cond delay="0"/>
-                                  </p:stCondLst>
-                                  <p:childTnLst>
-                                    <p:set>
-                                      <p:cBhvr>
-                                        <p:cTn dur="1" fill="hold">
-                                          <p:stCondLst>
-                                            <p:cond delay="0"/>
-                                          </p:stCondLst>
-                                        </p:cTn>
-                                        <p:tgtEl>
-                                          <p:spTgt spid="240"/>
-                                        </p:tgtEl>
-                                        <p:attrNameLst>
-                                          <p:attrName>style.visibility</p:attrName>
-                                        </p:attrNameLst>
-                                      </p:cBhvr>
-                                      <p:to>
-                                        <p:strVal val="visible"/>
-                                      </p:to>
-                                    </p:set>
-                                    <p:animEffect filter="fade" transition="in">
-                                      <p:cBhvr>
-                                        <p:cTn dur="1000"/>
-                                        <p:tgtEl>
-                                          <p:spTgt spid="240"/>
-                                        </p:tgtEl>
-                                      </p:cBhvr>
-                                    </p:animEffect>
-                                  </p:childTnLst>
-                                </p:cTn>
-                              </p:par>
-                              <p:par>
-                                <p:cTn fill="hold" nodeType="withEffect" presetClass="entr" presetID="10" presetSubtype="0">
-                                  <p:stCondLst>
-                                    <p:cond delay="0"/>
-                                  </p:stCondLst>
-                                  <p:childTnLst>
-                                    <p:set>
-                                      <p:cBhvr>
-                                        <p:cTn dur="1" fill="hold">
-                                          <p:stCondLst>
-                                            <p:cond delay="0"/>
-                                          </p:stCondLst>
-                                        </p:cTn>
-                                        <p:tgtEl>
-                                          <p:spTgt spid="241"/>
-                                        </p:tgtEl>
-                                        <p:attrNameLst>
-                                          <p:attrName>style.visibility</p:attrName>
-                                        </p:attrNameLst>
-                                      </p:cBhvr>
-                                      <p:to>
-                                        <p:strVal val="visible"/>
-                                      </p:to>
-                                    </p:set>
-                                    <p:animEffect filter="fade" transition="in">
-                                      <p:cBhvr>
-                                        <p:cTn dur="1000"/>
-                                        <p:tgtEl>
-                                          <p:spTgt spid="241"/>
-                                        </p:tgtEl>
-                                      </p:cBhvr>
-                                    </p:animEffect>
-                                  </p:childTnLst>
-                                </p:cTn>
-                              </p:par>
-                            </p:childTnLst>
-                          </p:cTn>
-                        </p:par>
-                      </p:childTnLst>
-                    </p:cTn>
-                  </p:par>
-                </p:childTnLst>
-              </p:cTn>
-              <p:prevCondLst>
-                <p:cond evt="onPrev">
-                  <p:tgtEl>
-                    <p:sldTgt/>
-                  </p:tgtEl>
-                </p:cond>
-              </p:prevCondLst>
-              <p:nextCondLst>
-                <p:cond evt="onNext">
-                  <p:tgtEl>
-                    <p:sldTgt/>
-                  </p:tgtEl>
-                </p:cond>
-              </p:nextCondLst>
-            </p:seq>
-          </p:childTnLst>
-        </p:cTn>
-      </p:par>
-    </p:tnLst>
-  </p:timing>
 </p:sld>
 </file>
 
@@ -21712,265 +21383,6 @@
   <p:clrMapOvr>
     <a:masterClrMapping/>
   </p:clrMapOvr>
-  <p:timing>
-    <p:tnLst>
-      <p:par>
-        <p:cTn dur="indefinite" nodeType="tmRoot" restart="never">
-          <p:childTnLst>
-            <p:seq concurrent="1" nextAc="seek">
-              <p:cTn dur="indefinite" id="2" nodeType="mainSeq">
-                <p:childTnLst>
-                  <p:par>
-                    <p:cTn fill="hold">
-                      <p:stCondLst>
-                        <p:cond delay="indefinite"/>
-                      </p:stCondLst>
-                      <p:childTnLst>
-                        <p:par>
-                          <p:cTn fill="hold">
-                            <p:stCondLst>
-                              <p:cond delay="0"/>
-                            </p:stCondLst>
-                            <p:childTnLst>
-                              <p:par>
-                                <p:cTn fill="hold" nodeType="clickEffect" presetClass="entr" presetID="10" presetSubtype="0">
-                                  <p:stCondLst>
-                                    <p:cond delay="0"/>
-                                  </p:stCondLst>
-                                  <p:childTnLst>
-                                    <p:set>
-                                      <p:cBhvr>
-                                        <p:cTn dur="1" fill="hold">
-                                          <p:stCondLst>
-                                            <p:cond delay="0"/>
-                                          </p:stCondLst>
-                                        </p:cTn>
-                                        <p:tgtEl>
-                                          <p:spTgt spid="249"/>
-                                        </p:tgtEl>
-                                        <p:attrNameLst>
-                                          <p:attrName>style.visibility</p:attrName>
-                                        </p:attrNameLst>
-                                      </p:cBhvr>
-                                      <p:to>
-                                        <p:strVal val="visible"/>
-                                      </p:to>
-                                    </p:set>
-                                    <p:animEffect filter="fade" transition="in">
-                                      <p:cBhvr>
-                                        <p:cTn dur="1000"/>
-                                        <p:tgtEl>
-                                          <p:spTgt spid="249"/>
-                                        </p:tgtEl>
-                                      </p:cBhvr>
-                                    </p:animEffect>
-                                  </p:childTnLst>
-                                </p:cTn>
-                              </p:par>
-                            </p:childTnLst>
-                          </p:cTn>
-                        </p:par>
-                      </p:childTnLst>
-                    </p:cTn>
-                  </p:par>
-                  <p:par>
-                    <p:cTn fill="hold">
-                      <p:stCondLst>
-                        <p:cond delay="indefinite"/>
-                      </p:stCondLst>
-                      <p:childTnLst>
-                        <p:par>
-                          <p:cTn fill="hold">
-                            <p:stCondLst>
-                              <p:cond delay="0"/>
-                            </p:stCondLst>
-                            <p:childTnLst>
-                              <p:par>
-                                <p:cTn fill="hold" nodeType="clickEffect" presetClass="entr" presetID="10" presetSubtype="0">
-                                  <p:stCondLst>
-                                    <p:cond delay="0"/>
-                                  </p:stCondLst>
-                                  <p:childTnLst>
-                                    <p:set>
-                                      <p:cBhvr>
-                                        <p:cTn dur="1" fill="hold">
-                                          <p:stCondLst>
-                                            <p:cond delay="0"/>
-                                          </p:stCondLst>
-                                        </p:cTn>
-                                        <p:tgtEl>
-                                          <p:spTgt spid="250"/>
-                                        </p:tgtEl>
-                                        <p:attrNameLst>
-                                          <p:attrName>style.visibility</p:attrName>
-                                        </p:attrNameLst>
-                                      </p:cBhvr>
-                                      <p:to>
-                                        <p:strVal val="visible"/>
-                                      </p:to>
-                                    </p:set>
-                                    <p:animEffect filter="fade" transition="in">
-                                      <p:cBhvr>
-                                        <p:cTn dur="1000"/>
-                                        <p:tgtEl>
-                                          <p:spTgt spid="250"/>
-                                        </p:tgtEl>
-                                      </p:cBhvr>
-                                    </p:animEffect>
-                                  </p:childTnLst>
-                                </p:cTn>
-                              </p:par>
-                              <p:par>
-                                <p:cTn fill="hold" nodeType="withEffect" presetClass="entr" presetID="10" presetSubtype="0">
-                                  <p:stCondLst>
-                                    <p:cond delay="0"/>
-                                  </p:stCondLst>
-                                  <p:childTnLst>
-                                    <p:set>
-                                      <p:cBhvr>
-                                        <p:cTn dur="1" fill="hold">
-                                          <p:stCondLst>
-                                            <p:cond delay="0"/>
-                                          </p:stCondLst>
-                                        </p:cTn>
-                                        <p:tgtEl>
-                                          <p:spTgt spid="251"/>
-                                        </p:tgtEl>
-                                        <p:attrNameLst>
-                                          <p:attrName>style.visibility</p:attrName>
-                                        </p:attrNameLst>
-                                      </p:cBhvr>
-                                      <p:to>
-                                        <p:strVal val="visible"/>
-                                      </p:to>
-                                    </p:set>
-                                    <p:animEffect filter="fade" transition="in">
-                                      <p:cBhvr>
-                                        <p:cTn dur="1000"/>
-                                        <p:tgtEl>
-                                          <p:spTgt spid="251"/>
-                                        </p:tgtEl>
-                                      </p:cBhvr>
-                                    </p:animEffect>
-                                  </p:childTnLst>
-                                </p:cTn>
-                              </p:par>
-                            </p:childTnLst>
-                          </p:cTn>
-                        </p:par>
-                      </p:childTnLst>
-                    </p:cTn>
-                  </p:par>
-                  <p:par>
-                    <p:cTn fill="hold">
-                      <p:stCondLst>
-                        <p:cond delay="indefinite"/>
-                      </p:stCondLst>
-                      <p:childTnLst>
-                        <p:par>
-                          <p:cTn fill="hold">
-                            <p:stCondLst>
-                              <p:cond delay="0"/>
-                            </p:stCondLst>
-                            <p:childTnLst>
-                              <p:par>
-                                <p:cTn fill="hold" nodeType="clickEffect" presetClass="entr" presetID="10" presetSubtype="0">
-                                  <p:stCondLst>
-                                    <p:cond delay="0"/>
-                                  </p:stCondLst>
-                                  <p:childTnLst>
-                                    <p:set>
-                                      <p:cBhvr>
-                                        <p:cTn dur="1" fill="hold">
-                                          <p:stCondLst>
-                                            <p:cond delay="0"/>
-                                          </p:stCondLst>
-                                        </p:cTn>
-                                        <p:tgtEl>
-                                          <p:spTgt spid="253"/>
-                                        </p:tgtEl>
-                                        <p:attrNameLst>
-                                          <p:attrName>style.visibility</p:attrName>
-                                        </p:attrNameLst>
-                                      </p:cBhvr>
-                                      <p:to>
-                                        <p:strVal val="visible"/>
-                                      </p:to>
-                                    </p:set>
-                                    <p:animEffect filter="fade" transition="in">
-                                      <p:cBhvr>
-                                        <p:cTn dur="1000"/>
-                                        <p:tgtEl>
-                                          <p:spTgt spid="253"/>
-                                        </p:tgtEl>
-                                      </p:cBhvr>
-                                    </p:animEffect>
-                                  </p:childTnLst>
-                                </p:cTn>
-                              </p:par>
-                              <p:par>
-                                <p:cTn fill="hold" nodeType="withEffect" presetClass="entr" presetID="10" presetSubtype="0">
-                                  <p:stCondLst>
-                                    <p:cond delay="0"/>
-                                  </p:stCondLst>
-                                  <p:childTnLst>
-                                    <p:set>
-                                      <p:cBhvr>
-                                        <p:cTn dur="1" fill="hold">
-                                          <p:stCondLst>
-                                            <p:cond delay="0"/>
-                                          </p:stCondLst>
-                                        </p:cTn>
-                                        <p:tgtEl>
-                                          <p:spTgt spid="252"/>
-                                        </p:tgtEl>
-                                        <p:attrNameLst>
-                                          <p:attrName>style.visibility</p:attrName>
-                                        </p:attrNameLst>
-                                      </p:cBhvr>
-                                      <p:to>
-                                        <p:strVal val="visible"/>
-                                      </p:to>
-                                    </p:set>
-                                    <p:animEffect filter="fade" transition="in">
-                                      <p:cBhvr>
-                                        <p:cTn dur="1000"/>
-                                        <p:tgtEl>
-                                          <p:spTgt spid="252"/>
-                                        </p:tgtEl>
-                                      </p:cBhvr>
-                                    </p:animEffect>
-                                  </p:childTnLst>
-                                </p:cTn>
-                              </p:par>
-                            </p:childTnLst>
-                          </p:cTn>
-                        </p:par>
-                      </p:childTnLst>
-                    </p:cTn>
-                  </p:par>
-                </p:childTnLst>
-              </p:cTn>
-              <p:prevCondLst>
-                <p:cond evt="onPrev">
-                  <p:tgtEl>
-                    <p:sldTgt/>
-                  </p:tgtEl>
-                </p:cond>
-              </p:prevCondLst>
-              <p:nextCondLst>
-                <p:cond evt="onNext">
-                  <p:tgtEl>
-                    <p:sldTgt/>
-                  </p:tgtEl>
-                </p:cond>
-              </p:nextCondLst>
-            </p:seq>
-          </p:childTnLst>
-        </p:cTn>
-      </p:par>
-    </p:tnLst>
-  </p:timing>
 </p:sld>
 </file>
 
@@ -22143,11 +21555,11 @@
             </a:pPr>
             <a:r>
               <a:rPr lang="en-US" sz="3000"/>
-              <a:t>reconstructing its arguments</a:t>
+              <a:t>PID of the caller process</a:t>
             </a:r>
           </a:p>
           <a:p>
-            <a:pPr indent="-419100" lvl="0" marL="457200">
+            <a:pPr indent="-419100" lvl="0" marL="457200" rtl="0">
               <a:lnSpc>
                 <a:spcPct val="115000"/>
               </a:lnSpc>
@@ -22162,7 +21574,7 @@
             </a:pPr>
             <a:r>
               <a:rPr lang="en-US" sz="3000"/>
-              <a:t>PID of the caller process</a:t>
+              <a:t>reconstructing its arguments</a:t>
             </a:r>
           </a:p>
           <a:p>
@@ -22906,7 +22318,7 @@
             </a:pPr>
             <a:r>
               <a:rPr lang="en-US" sz="3000"/>
-              <a:t>Complex arguments type are store in memory</a:t>
+              <a:t>Complex arguments type are stored in memory</a:t>
             </a:r>
           </a:p>
         </p:txBody>
@@ -24568,7 +23980,7 @@
             </a:pPr>
             <a:r>
               <a:rPr lang="en-US" sz="3000"/>
-              <a:t>Write that the introspection code</a:t>
+              <a:t>Write the introspection code</a:t>
             </a:r>
           </a:p>
           <a:p>
@@ -25203,7 +24615,7 @@
         </p:blipFill>
         <p:spPr>
           <a:xfrm>
-            <a:off x="3604475" y="1805922"/>
+            <a:off x="3800925" y="1805922"/>
             <a:ext cx="4855224" cy="3570000"/>
           </a:xfrm>
           <a:prstGeom prst="rect">
@@ -25225,8 +24637,8 @@
         </p:nvSpPr>
         <p:spPr>
           <a:xfrm>
-            <a:off x="684212" y="1484312"/>
-            <a:ext cx="3775200" cy="4213200"/>
+            <a:off x="517925" y="1484325"/>
+            <a:ext cx="3941400" cy="4213200"/>
           </a:xfrm>
           <a:prstGeom prst="rect">
             <a:avLst/>
@@ -25265,7 +24677,7 @@
             </a:pPr>
             <a:r>
               <a:rPr lang="en-US"/>
-              <a:t>Dev aBoard</a:t>
+              <a:t>Develop Board</a:t>
             </a:r>
           </a:p>
           <a:p>
@@ -25281,7 +24693,7 @@
             </a:pPr>
             <a:r>
               <a:rPr lang="en-US"/>
-              <a:t>JTAG Dev</a:t>
+              <a:t>JTAG Adapter</a:t>
             </a:r>
           </a:p>
           <a:p>
@@ -25821,7 +25233,7 @@
             <a:tbl>
               <a:tblPr>
                 <a:noFill/>
-                <a:tableStyleId>{79DE9BB7-637D-4C5E-9E94-E914554FED17}</a:tableStyleId>
+                <a:tableStyleId>{4147B3F8-BCFE-42B7-97C6-1C30FDECC51D}</a:tableStyleId>
               </a:tblPr>
               <a:tblGrid>
                 <a:gridCol w="2209600"/>
@@ -28343,195 +27755,6 @@
   <p:clrMapOvr>
     <a:masterClrMapping/>
   </p:clrMapOvr>
-  <p:timing>
-    <p:tnLst>
-      <p:par>
-        <p:cTn dur="indefinite" nodeType="tmRoot" restart="never">
-          <p:childTnLst>
-            <p:seq concurrent="1" nextAc="seek">
-              <p:cTn dur="indefinite" id="2" nodeType="mainSeq">
-                <p:childTnLst>
-                  <p:par>
-                    <p:cTn fill="hold">
-                      <p:stCondLst>
-                        <p:cond delay="indefinite"/>
-                      </p:stCondLst>
-                      <p:childTnLst>
-                        <p:par>
-                          <p:cTn fill="hold">
-                            <p:stCondLst>
-                              <p:cond delay="0"/>
-                            </p:stCondLst>
-                            <p:childTnLst>
-                              <p:par>
-                                <p:cTn fill="hold" nodeType="clickEffect" presetClass="entr" presetID="10" presetSubtype="0">
-                                  <p:stCondLst>
-                                    <p:cond delay="0"/>
-                                  </p:stCondLst>
-                                  <p:childTnLst>
-                                    <p:set>
-                                      <p:cBhvr>
-                                        <p:cTn dur="1" fill="hold">
-                                          <p:stCondLst>
-                                            <p:cond delay="0"/>
-                                          </p:stCondLst>
-                                        </p:cTn>
-                                        <p:tgtEl>
-                                          <p:spTgt spid="190"/>
-                                        </p:tgtEl>
-                                        <p:attrNameLst>
-                                          <p:attrName>style.visibility</p:attrName>
-                                        </p:attrNameLst>
-                                      </p:cBhvr>
-                                      <p:to>
-                                        <p:strVal val="visible"/>
-                                      </p:to>
-                                    </p:set>
-                                    <p:animEffect filter="fade" transition="in">
-                                      <p:cBhvr>
-                                        <p:cTn dur="1000"/>
-                                        <p:tgtEl>
-                                          <p:spTgt spid="190"/>
-                                        </p:tgtEl>
-                                      </p:cBhvr>
-                                    </p:animEffect>
-                                  </p:childTnLst>
-                                </p:cTn>
-                              </p:par>
-                            </p:childTnLst>
-                          </p:cTn>
-                        </p:par>
-                      </p:childTnLst>
-                    </p:cTn>
-                  </p:par>
-                  <p:par>
-                    <p:cTn fill="hold">
-                      <p:stCondLst>
-                        <p:cond delay="indefinite"/>
-                      </p:stCondLst>
-                      <p:childTnLst>
-                        <p:par>
-                          <p:cTn fill="hold">
-                            <p:stCondLst>
-                              <p:cond delay="0"/>
-                            </p:stCondLst>
-                            <p:childTnLst>
-                              <p:par>
-                                <p:cTn fill="hold" nodeType="clickEffect" presetClass="entr" presetID="10" presetSubtype="0">
-                                  <p:stCondLst>
-                                    <p:cond delay="0"/>
-                                  </p:stCondLst>
-                                  <p:childTnLst>
-                                    <p:set>
-                                      <p:cBhvr>
-                                        <p:cTn dur="1" fill="hold">
-                                          <p:stCondLst>
-                                            <p:cond delay="0"/>
-                                          </p:stCondLst>
-                                        </p:cTn>
-                                        <p:tgtEl>
-                                          <p:spTgt spid="189"/>
-                                        </p:tgtEl>
-                                        <p:attrNameLst>
-                                          <p:attrName>style.visibility</p:attrName>
-                                        </p:attrNameLst>
-                                      </p:cBhvr>
-                                      <p:to>
-                                        <p:strVal val="visible"/>
-                                      </p:to>
-                                    </p:set>
-                                    <p:animEffect filter="fade" transition="in">
-                                      <p:cBhvr>
-                                        <p:cTn dur="1000"/>
-                                        <p:tgtEl>
-                                          <p:spTgt spid="189"/>
-                                        </p:tgtEl>
-                                      </p:cBhvr>
-                                    </p:animEffect>
-                                  </p:childTnLst>
-                                </p:cTn>
-                              </p:par>
-                            </p:childTnLst>
-                          </p:cTn>
-                        </p:par>
-                      </p:childTnLst>
-                    </p:cTn>
-                  </p:par>
-                  <p:par>
-                    <p:cTn fill="hold">
-                      <p:stCondLst>
-                        <p:cond delay="indefinite"/>
-                      </p:stCondLst>
-                      <p:childTnLst>
-                        <p:par>
-                          <p:cTn fill="hold">
-                            <p:stCondLst>
-                              <p:cond delay="0"/>
-                            </p:stCondLst>
-                            <p:childTnLst>
-                              <p:par>
-                                <p:cTn fill="hold" nodeType="clickEffect" presetClass="entr" presetID="10" presetSubtype="0">
-                                  <p:stCondLst>
-                                    <p:cond delay="0"/>
-                                  </p:stCondLst>
-                                  <p:childTnLst>
-                                    <p:set>
-                                      <p:cBhvr>
-                                        <p:cTn dur="1" fill="hold">
-                                          <p:stCondLst>
-                                            <p:cond delay="0"/>
-                                          </p:stCondLst>
-                                        </p:cTn>
-                                        <p:tgtEl>
-                                          <p:spTgt spid="191"/>
-                                        </p:tgtEl>
-                                        <p:attrNameLst>
-                                          <p:attrName>style.visibility</p:attrName>
-                                        </p:attrNameLst>
-                                      </p:cBhvr>
-                                      <p:to>
-                                        <p:strVal val="visible"/>
-                                      </p:to>
-                                    </p:set>
-                                    <p:animEffect filter="fade" transition="in">
-                                      <p:cBhvr>
-                                        <p:cTn dur="1000"/>
-                                        <p:tgtEl>
-                                          <p:spTgt spid="191"/>
-                                        </p:tgtEl>
-                                      </p:cBhvr>
-                                    </p:animEffect>
-                                  </p:childTnLst>
-                                </p:cTn>
-                              </p:par>
-                            </p:childTnLst>
-                          </p:cTn>
-                        </p:par>
-                      </p:childTnLst>
-                    </p:cTn>
-                  </p:par>
-                </p:childTnLst>
-              </p:cTn>
-              <p:prevCondLst>
-                <p:cond evt="onPrev">
-                  <p:tgtEl>
-                    <p:sldTgt/>
-                  </p:tgtEl>
-                </p:cond>
-              </p:prevCondLst>
-              <p:nextCondLst>
-                <p:cond evt="onNext">
-                  <p:tgtEl>
-                    <p:sldTgt/>
-                  </p:tgtEl>
-                </p:cond>
-              </p:nextCondLst>
-            </p:seq>
-          </p:childTnLst>
-        </p:cTn>
-      </p:par>
-    </p:tnLst>
-  </p:timing>
 </p:sld>
 </file>
 
